--- a/report/food/Guide to interact with the dashboard.pptx
+++ b/report/food/Guide to interact with the dashboard.pptx
@@ -110,6 +110,11 @@
       </a:defRPr>
     </a:lvl9pPr>
   </p:defaultTextStyle>
+  <p:extLst>
+    <p:ext uri="{EFAFB233-063F-42B5-8137-9DF3F51BA10A}">
+      <p15:sldGuideLst xmlns:p15="http://schemas.microsoft.com/office/powerpoint/2012/main"/>
+    </p:ext>
+  </p:extLst>
 </p:presentation>
 </file>
 
@@ -244,7 +249,7 @@
           <a:p>
             <a:fld id="{26B8168D-40C6-409D-9C64-8D0399DEA817}" type="datetimeFigureOut">
               <a:rPr lang="en-GB" smtClean="0"/>
-              <a:t>18/04/2024</a:t>
+              <a:t>03/05/2024</a:t>
             </a:fld>
             <a:endParaRPr lang="en-GB"/>
           </a:p>
@@ -414,7 +419,7 @@
           <a:p>
             <a:fld id="{26B8168D-40C6-409D-9C64-8D0399DEA817}" type="datetimeFigureOut">
               <a:rPr lang="en-GB" smtClean="0"/>
-              <a:t>18/04/2024</a:t>
+              <a:t>03/05/2024</a:t>
             </a:fld>
             <a:endParaRPr lang="en-GB"/>
           </a:p>
@@ -594,7 +599,7 @@
           <a:p>
             <a:fld id="{26B8168D-40C6-409D-9C64-8D0399DEA817}" type="datetimeFigureOut">
               <a:rPr lang="en-GB" smtClean="0"/>
-              <a:t>18/04/2024</a:t>
+              <a:t>03/05/2024</a:t>
             </a:fld>
             <a:endParaRPr lang="en-GB"/>
           </a:p>
@@ -764,7 +769,7 @@
           <a:p>
             <a:fld id="{26B8168D-40C6-409D-9C64-8D0399DEA817}" type="datetimeFigureOut">
               <a:rPr lang="en-GB" smtClean="0"/>
-              <a:t>18/04/2024</a:t>
+              <a:t>03/05/2024</a:t>
             </a:fld>
             <a:endParaRPr lang="en-GB"/>
           </a:p>
@@ -1010,7 +1015,7 @@
           <a:p>
             <a:fld id="{26B8168D-40C6-409D-9C64-8D0399DEA817}" type="datetimeFigureOut">
               <a:rPr lang="en-GB" smtClean="0"/>
-              <a:t>18/04/2024</a:t>
+              <a:t>03/05/2024</a:t>
             </a:fld>
             <a:endParaRPr lang="en-GB"/>
           </a:p>
@@ -1242,7 +1247,7 @@
           <a:p>
             <a:fld id="{26B8168D-40C6-409D-9C64-8D0399DEA817}" type="datetimeFigureOut">
               <a:rPr lang="en-GB" smtClean="0"/>
-              <a:t>18/04/2024</a:t>
+              <a:t>03/05/2024</a:t>
             </a:fld>
             <a:endParaRPr lang="en-GB"/>
           </a:p>
@@ -1609,7 +1614,7 @@
           <a:p>
             <a:fld id="{26B8168D-40C6-409D-9C64-8D0399DEA817}" type="datetimeFigureOut">
               <a:rPr lang="en-GB" smtClean="0"/>
-              <a:t>18/04/2024</a:t>
+              <a:t>03/05/2024</a:t>
             </a:fld>
             <a:endParaRPr lang="en-GB"/>
           </a:p>
@@ -1727,7 +1732,7 @@
           <a:p>
             <a:fld id="{26B8168D-40C6-409D-9C64-8D0399DEA817}" type="datetimeFigureOut">
               <a:rPr lang="en-GB" smtClean="0"/>
-              <a:t>18/04/2024</a:t>
+              <a:t>03/05/2024</a:t>
             </a:fld>
             <a:endParaRPr lang="en-GB"/>
           </a:p>
@@ -1822,7 +1827,7 @@
           <a:p>
             <a:fld id="{26B8168D-40C6-409D-9C64-8D0399DEA817}" type="datetimeFigureOut">
               <a:rPr lang="en-GB" smtClean="0"/>
-              <a:t>18/04/2024</a:t>
+              <a:t>03/05/2024</a:t>
             </a:fld>
             <a:endParaRPr lang="en-GB"/>
           </a:p>
@@ -2099,7 +2104,7 @@
           <a:p>
             <a:fld id="{26B8168D-40C6-409D-9C64-8D0399DEA817}" type="datetimeFigureOut">
               <a:rPr lang="en-GB" smtClean="0"/>
-              <a:t>18/04/2024</a:t>
+              <a:t>03/05/2024</a:t>
             </a:fld>
             <a:endParaRPr lang="en-GB"/>
           </a:p>
@@ -2356,7 +2361,7 @@
           <a:p>
             <a:fld id="{26B8168D-40C6-409D-9C64-8D0399DEA817}" type="datetimeFigureOut">
               <a:rPr lang="en-GB" smtClean="0"/>
-              <a:t>18/04/2024</a:t>
+              <a:t>03/05/2024</a:t>
             </a:fld>
             <a:endParaRPr lang="en-GB"/>
           </a:p>
@@ -2569,7 +2574,7 @@
           <a:p>
             <a:fld id="{26B8168D-40C6-409D-9C64-8D0399DEA817}" type="datetimeFigureOut">
               <a:rPr lang="en-GB" smtClean="0"/>
-              <a:t>18/04/2024</a:t>
+              <a:t>03/05/2024</a:t>
             </a:fld>
             <a:endParaRPr lang="en-GB"/>
           </a:p>
@@ -3854,7 +3859,12 @@
             <p:ph type="title"/>
           </p:nvPr>
         </p:nvSpPr>
-        <p:spPr/>
+        <p:spPr>
+          <a:xfrm>
+            <a:off x="428625" y="241104"/>
+            <a:ext cx="8286750" cy="1325563"/>
+          </a:xfrm>
+        </p:spPr>
         <p:txBody>
           <a:bodyPr>
             <a:normAutofit fontScale="90000"/>
@@ -3863,7 +3873,7 @@
           <a:p>
             <a:r>
               <a:rPr lang="en-150" dirty="0"/>
-              <a:t>Has the programme contributed to achieved sustainable impacts Africa?</a:t>
+              <a:t>Has the TCP contributed to achieved sustainable impacts in Africa?</a:t>
             </a:r>
             <a:endParaRPr lang="en-GB" dirty="0"/>
           </a:p>
